--- a/day1-cdi/EAP7_Training#1 CDI.pptx
+++ b/day1-cdi/EAP7_Training#1 CDI.pptx
@@ -277,7 +277,7 @@
             <a:fld id="{79F80A0E-1842-B744-B49F-A84D539115EC}" type="datetime1">
               <a:rPr lang="ja-JP" altLang="en-US"/>
               <a:pPr/>
-              <a:t>2017/3/30</a:t>
+              <a:t>2018/1/12</a:t>
             </a:fld>
             <a:endParaRPr lang="ja-JP" altLang="en-US"/>
           </a:p>
@@ -467,7 +467,7 @@
             <a:fld id="{2D00D84D-4674-3C43-80ED-0736C6E28626}" type="datetime1">
               <a:rPr lang="ja-JP" altLang="en-US"/>
               <a:pPr/>
-              <a:t>2017/3/30</a:t>
+              <a:t>2018/1/12</a:t>
             </a:fld>
             <a:endParaRPr lang="ja-JP" altLang="en-US"/>
           </a:p>
@@ -3185,6 +3185,13 @@
   <p:clrMapOvr>
     <a:masterClrMapping/>
   </p:clrMapOvr>
+  <p:timing>
+    <p:tnLst>
+      <p:par>
+        <p:cTn id="1" dur="indefinite" restart="never" nodeType="tmRoot"/>
+      </p:par>
+    </p:tnLst>
+  </p:timing>
 </p:sld>
 </file>
 
@@ -3653,6 +3660,13 @@
   <p:clrMapOvr>
     <a:masterClrMapping/>
   </p:clrMapOvr>
+  <p:timing>
+    <p:tnLst>
+      <p:par>
+        <p:cTn id="1" dur="indefinite" restart="never" nodeType="tmRoot"/>
+      </p:par>
+    </p:tnLst>
+  </p:timing>
 </p:sld>
 </file>
 
@@ -4040,6 +4054,13 @@
   <p:clrMapOvr>
     <a:masterClrMapping/>
   </p:clrMapOvr>
+  <p:timing>
+    <p:tnLst>
+      <p:par>
+        <p:cTn id="1" dur="indefinite" restart="never" nodeType="tmRoot"/>
+      </p:par>
+    </p:tnLst>
+  </p:timing>
 </p:sld>
 </file>
 
@@ -5532,6 +5553,13 @@
   <p:clrMapOvr>
     <a:masterClrMapping/>
   </p:clrMapOvr>
+  <p:timing>
+    <p:tnLst>
+      <p:par>
+        <p:cTn id="1" dur="indefinite" restart="never" nodeType="tmRoot"/>
+      </p:par>
+    </p:tnLst>
+  </p:timing>
 </p:sld>
 </file>
 
@@ -8237,17 +8265,14 @@
             <a:r>
               <a:rPr lang="en-US" altLang="ja-JP" sz="1400" dirty="0" smtClean="0">
                 <a:solidFill>
-                  <a:schemeClr val="tx1">
-                    <a:lumMod val="65000"/>
-                    <a:lumOff val="35000"/>
-                  </a:schemeClr>
-                </a:solidFill>
-                <a:latin typeface="メイリオ" panose="020B0604030504040204" pitchFamily="50" charset="-128"/>
-                <a:ea typeface="メイリオ" panose="020B0604030504040204" pitchFamily="50" charset="-128"/>
-                <a:cs typeface="メイリオ" panose="020B0604030504040204" pitchFamily="50" charset="-128"/>
-                <a:sym typeface="Arial" panose="020B0604020202020204" pitchFamily="34" charset="0"/>
-              </a:rPr>
-              <a:t>@Inject</a:t>
+                  <a:srgbClr val="7030A0"/>
+                </a:solidFill>
+                <a:latin typeface="メイリオ" panose="020B0604030504040204" pitchFamily="50" charset="-128"/>
+                <a:ea typeface="メイリオ" panose="020B0604030504040204" pitchFamily="50" charset="-128"/>
+                <a:cs typeface="メイリオ" panose="020B0604030504040204" pitchFamily="50" charset="-128"/>
+                <a:sym typeface="Arial" panose="020B0604020202020204" pitchFamily="34" charset="0"/>
+              </a:rPr>
+              <a:t>static</a:t>
             </a:r>
             <a:r>
               <a:rPr lang="en-US" altLang="ja-JP" sz="1400" dirty="0" smtClean="0">
@@ -8260,24 +8285,12 @@
             </a:r>
             <a:r>
               <a:rPr lang="en-US" altLang="ja-JP" sz="1400" dirty="0" smtClean="0">
-                <a:solidFill>
-                  <a:srgbClr val="7030A0"/>
-                </a:solidFill>
-                <a:latin typeface="メイリオ" panose="020B0604030504040204" pitchFamily="50" charset="-128"/>
-                <a:ea typeface="メイリオ" panose="020B0604030504040204" pitchFamily="50" charset="-128"/>
-                <a:cs typeface="メイリオ" panose="020B0604030504040204" pitchFamily="50" charset="-128"/>
-                <a:sym typeface="Arial" panose="020B0604020202020204" pitchFamily="34" charset="0"/>
-              </a:rPr>
-              <a:t>static</a:t>
-            </a:r>
-            <a:r>
-              <a:rPr lang="en-US" altLang="ja-JP" sz="1400" dirty="0" smtClean="0">
-                <a:latin typeface="メイリオ" panose="020B0604030504040204" pitchFamily="50" charset="-128"/>
-                <a:ea typeface="メイリオ" panose="020B0604030504040204" pitchFamily="50" charset="-128"/>
-                <a:cs typeface="メイリオ" panose="020B0604030504040204" pitchFamily="50" charset="-128"/>
-                <a:sym typeface="Arial" panose="020B0604020202020204" pitchFamily="34" charset="0"/>
-              </a:rPr>
-              <a:t> Logger </a:t>
+                <a:latin typeface="メイリオ" panose="020B0604030504040204" pitchFamily="50" charset="-128"/>
+                <a:ea typeface="メイリオ" panose="020B0604030504040204" pitchFamily="50" charset="-128"/>
+                <a:cs typeface="メイリオ" panose="020B0604030504040204" pitchFamily="50" charset="-128"/>
+                <a:sym typeface="Arial" panose="020B0604020202020204" pitchFamily="34" charset="0"/>
+              </a:rPr>
+              <a:t>Logger </a:t>
             </a:r>
             <a:r>
               <a:rPr lang="en-US" altLang="ja-JP" sz="1400" dirty="0" smtClean="0">
@@ -12103,29 +12116,7 @@
                 <a:ea typeface="メイリオ"/>
                 <a:cs typeface="メイリオ"/>
               </a:rPr>
-              <a:t>セッションビーンにメンバ変数を定義するな、と</a:t>
-            </a:r>
-            <a:r>
-              <a:rPr lang="ja-JP" altLang="en-US" sz="1400" dirty="0" smtClean="0">
-                <a:solidFill>
-                  <a:srgbClr val="FF6600"/>
-                </a:solidFill>
-                <a:latin typeface="メイリオ"/>
-                <a:ea typeface="メイリオ"/>
-                <a:cs typeface="メイリオ"/>
-              </a:rPr>
-              <a:t>いうプラクティスは</a:t>
-            </a:r>
-            <a:r>
-              <a:rPr lang="ja-JP" altLang="en-US" sz="1400" dirty="0" smtClean="0">
-                <a:solidFill>
-                  <a:srgbClr val="FF6600"/>
-                </a:solidFill>
-                <a:latin typeface="メイリオ"/>
-                <a:ea typeface="メイリオ"/>
-                <a:cs typeface="メイリオ"/>
-              </a:rPr>
-              <a:t>過去の話。</a:t>
+              <a:t>セッションビーンにメンバ変数を定義するな、というプラクティスは過去の話。</a:t>
             </a:r>
             <a:endParaRPr lang="en-US" altLang="ja-JP" sz="1400" dirty="0" smtClean="0">
               <a:solidFill>
@@ -12540,6 +12531,13 @@
   <p:clrMapOvr>
     <a:masterClrMapping/>
   </p:clrMapOvr>
+  <p:timing>
+    <p:tnLst>
+      <p:par>
+        <p:cTn id="1" dur="indefinite" restart="never" nodeType="tmRoot"/>
+      </p:par>
+    </p:tnLst>
+  </p:timing>
 </p:sld>
 </file>
 
@@ -13461,7 +13459,7 @@
           <a:lstStyle/>
           <a:p>
             <a:r>
-              <a:rPr lang="en-US" altLang="ja-JP" sz="1400" smtClean="0">
+              <a:rPr lang="en-US" altLang="ja-JP" sz="1400" dirty="0" smtClean="0">
                 <a:latin typeface="メイリオ"/>
                 <a:ea typeface="メイリオ"/>
                 <a:cs typeface="メイリオ"/>
@@ -13925,15 +13923,7 @@
             <a:pPr lvl="1"/>
             <a:r>
               <a:rPr lang="en-US" altLang="ja-JP" dirty="0" smtClean="0"/>
-              <a:t>bean-discovery-mode</a:t>
-            </a:r>
-            <a:r>
-              <a:rPr lang="en-US" altLang="ja-JP" dirty="0"/>
-              <a:t>="</a:t>
-            </a:r>
-            <a:r>
-              <a:rPr lang="en-US" altLang="ja-JP" dirty="0" smtClean="0"/>
-              <a:t>all"</a:t>
+              <a:t>bean-discovery-mode="annotated"</a:t>
             </a:r>
             <a:r>
               <a:rPr lang="ja-JP" altLang="en-US" dirty="0" smtClean="0"/>
@@ -18293,6 +18283,13 @@
   <p:clrMapOvr>
     <a:masterClrMapping/>
   </p:clrMapOvr>
+  <p:timing>
+    <p:tnLst>
+      <p:par>
+        <p:cTn id="1" dur="indefinite" restart="never" nodeType="tmRoot"/>
+      </p:par>
+    </p:tnLst>
+  </p:timing>
 </p:sld>
 </file>
 
@@ -19718,6 +19715,13 @@
   <p:clrMapOvr>
     <a:masterClrMapping/>
   </p:clrMapOvr>
+  <p:timing>
+    <p:tnLst>
+      <p:par>
+        <p:cTn id="1" dur="indefinite" restart="never" nodeType="tmRoot"/>
+      </p:par>
+    </p:tnLst>
+  </p:timing>
 </p:sld>
 </file>
 
@@ -21214,7 +21218,7 @@
         </p:nvSpPr>
         <p:spPr>
           <a:xfrm>
-            <a:off x="3707904" y="3212976"/>
+            <a:off x="3707904" y="3140968"/>
             <a:ext cx="792088" cy="216024"/>
           </a:xfrm>
           <a:prstGeom prst="downArrow">
@@ -21460,6 +21464,13 @@
   <p:clrMapOvr>
     <a:masterClrMapping/>
   </p:clrMapOvr>
+  <p:timing>
+    <p:tnLst>
+      <p:par>
+        <p:cTn id="1" dur="indefinite" restart="never" nodeType="tmRoot"/>
+      </p:par>
+    </p:tnLst>
+  </p:timing>
 </p:sld>
 </file>
 
@@ -23943,6 +23954,13 @@
   <p:clrMapOvr>
     <a:masterClrMapping/>
   </p:clrMapOvr>
+  <p:timing>
+    <p:tnLst>
+      <p:par>
+        <p:cTn id="1" dur="indefinite" restart="never" nodeType="tmRoot"/>
+      </p:par>
+    </p:tnLst>
+  </p:timing>
 </p:sld>
 </file>
 
@@ -25022,6 +25040,13 @@
   <p:clrMapOvr>
     <a:masterClrMapping/>
   </p:clrMapOvr>
+  <p:timing>
+    <p:tnLst>
+      <p:par>
+        <p:cTn id="1" dur="indefinite" restart="never" nodeType="tmRoot"/>
+      </p:par>
+    </p:tnLst>
+  </p:timing>
 </p:sld>
 </file>
 
@@ -25720,6 +25745,13 @@
   <p:clrMapOvr>
     <a:masterClrMapping/>
   </p:clrMapOvr>
+  <p:timing>
+    <p:tnLst>
+      <p:par>
+        <p:cTn id="1" dur="indefinite" restart="never" nodeType="tmRoot"/>
+      </p:par>
+    </p:tnLst>
+  </p:timing>
 </p:sld>
 </file>
 
@@ -25928,7 +25960,7 @@
                 <a:ea typeface="メイリオ"/>
                 <a:cs typeface="メイリオ"/>
               </a:rPr>
-              <a:t>がせんたくされる。</a:t>
+              <a:t>が選択される。</a:t>
             </a:r>
             <a:endParaRPr lang="en-US" altLang="ja-JP" sz="1400" dirty="0" smtClean="0">
               <a:latin typeface="メイリオ"/>
@@ -26141,6 +26173,13 @@
   <p:clrMapOvr>
     <a:masterClrMapping/>
   </p:clrMapOvr>
+  <p:timing>
+    <p:tnLst>
+      <p:par>
+        <p:cTn id="1" dur="indefinite" restart="never" nodeType="tmRoot"/>
+      </p:par>
+    </p:tnLst>
+  </p:timing>
 </p:sld>
 </file>
 
